--- a/Presentation.pptx
+++ b/Presentation.pptx
@@ -6,7 +6,7 @@
     <p:sldMasterId id="2147483660" r:id="rId2"/>
   </p:sldMasterIdLst>
   <p:notesMasterIdLst>
-    <p:notesMasterId r:id="rId13"/>
+    <p:notesMasterId r:id="rId14"/>
   </p:notesMasterIdLst>
   <p:sldIdLst>
     <p:sldId id="258" r:id="rId3"/>
@@ -19,6 +19,7 @@
     <p:sldId id="267" r:id="rId10"/>
     <p:sldId id="268" r:id="rId11"/>
     <p:sldId id="265" r:id="rId12"/>
+    <p:sldId id="269" r:id="rId13"/>
   </p:sldIdLst>
   <p:sldSz cx="12192000" cy="6858000"/>
   <p:notesSz cx="6858000" cy="9144000"/>
@@ -207,7 +208,7 @@
           <a:p>
             <a:fld id="{A5C20BB3-3CCB-4FE5-991B-82F6BCB48AF3}" type="datetimeFigureOut">
               <a:rPr lang="en-US" smtClean="0"/>
-              <a:t>7/6/2023</a:t>
+              <a:t>7/7/2023</a:t>
             </a:fld>
             <a:endParaRPr lang="en-US"/>
           </a:p>
@@ -758,6 +759,123 @@
 </p:notes>
 </file>
 
+<file path=ppt/notesSlides/notesSlide3.xml><?xml version="1.0" encoding="utf-8"?>
+<p:notes xmlns:a="http://schemas.openxmlformats.org/drawingml/2006/main" xmlns:r="http://schemas.openxmlformats.org/officeDocument/2006/relationships" xmlns:p="http://schemas.openxmlformats.org/presentationml/2006/main">
+  <p:cSld>
+    <p:spTree>
+      <p:nvGrpSpPr>
+        <p:cNvPr id="1" name=""/>
+        <p:cNvGrpSpPr/>
+        <p:nvPr/>
+      </p:nvGrpSpPr>
+      <p:grpSpPr>
+        <a:xfrm>
+          <a:off x="0" y="0"/>
+          <a:ext cx="0" cy="0"/>
+          <a:chOff x="0" y="0"/>
+          <a:chExt cx="0" cy="0"/>
+        </a:xfrm>
+      </p:grpSpPr>
+      <p:sp>
+        <p:nvSpPr>
+          <p:cNvPr id="2" name="Slide Image Placeholder 1"/>
+          <p:cNvSpPr>
+            <a:spLocks noGrp="1" noRot="1" noChangeAspect="1"/>
+          </p:cNvSpPr>
+          <p:nvPr>
+            <p:ph type="sldImg"/>
+          </p:nvPr>
+        </p:nvSpPr>
+        <p:spPr/>
+      </p:sp>
+      <p:sp>
+        <p:nvSpPr>
+          <p:cNvPr id="3" name="Notes Placeholder 2"/>
+          <p:cNvSpPr>
+            <a:spLocks noGrp="1"/>
+          </p:cNvSpPr>
+          <p:nvPr>
+            <p:ph type="body" idx="1"/>
+          </p:nvPr>
+        </p:nvSpPr>
+        <p:spPr/>
+        <p:txBody>
+          <a:bodyPr/>
+          <a:lstStyle/>
+          <a:p>
+            <a:r>
+              <a:rPr lang="en-US" dirty="0"/>
+              <a:t>Consider talking about:</a:t>
+            </a:r>
+          </a:p>
+          <a:p>
+            <a:pPr marL="171450" indent="-171450">
+              <a:buFont typeface="Arial" panose="020B0604020202020204" pitchFamily="34" charset="0"/>
+              <a:buChar char="•"/>
+            </a:pPr>
+            <a:r>
+              <a:rPr lang="en-US" dirty="0"/>
+              <a:t>Smart buildings</a:t>
+            </a:r>
+          </a:p>
+          <a:p>
+            <a:pPr marL="171450" indent="-171450">
+              <a:buFont typeface="Arial" panose="020B0604020202020204" pitchFamily="34" charset="0"/>
+              <a:buChar char="•"/>
+            </a:pPr>
+            <a:r>
+              <a:rPr lang="en-US" dirty="0"/>
+              <a:t>Analytics and business intelligence</a:t>
+            </a:r>
+          </a:p>
+          <a:p>
+            <a:pPr marL="171450" indent="-171450">
+              <a:buFont typeface="Arial" panose="020B0604020202020204" pitchFamily="34" charset="0"/>
+              <a:buChar char="•"/>
+            </a:pPr>
+            <a:r>
+              <a:rPr lang="en-US" dirty="0"/>
+              <a:t>Education</a:t>
+            </a:r>
+          </a:p>
+        </p:txBody>
+      </p:sp>
+      <p:sp>
+        <p:nvSpPr>
+          <p:cNvPr id="4" name="Slide Number Placeholder 3"/>
+          <p:cNvSpPr>
+            <a:spLocks noGrp="1"/>
+          </p:cNvSpPr>
+          <p:nvPr>
+            <p:ph type="sldNum" sz="quarter" idx="10"/>
+          </p:nvPr>
+        </p:nvSpPr>
+        <p:spPr/>
+        <p:txBody>
+          <a:bodyPr/>
+          <a:lstStyle/>
+          <a:p>
+            <a:fld id="{E0746DE6-3336-457D-A091-FA20AC1C536E}" type="slidenum">
+              <a:rPr lang="en-US" smtClean="0"/>
+              <a:t>11</a:t>
+            </a:fld>
+            <a:endParaRPr lang="en-US"/>
+          </a:p>
+        </p:txBody>
+      </p:sp>
+    </p:spTree>
+    <p:extLst>
+      <p:ext uri="{BB962C8B-B14F-4D97-AF65-F5344CB8AC3E}">
+        <p14:creationId xmlns:p14="http://schemas.microsoft.com/office/powerpoint/2010/main" val="1175018732"/>
+      </p:ext>
+    </p:extLst>
+  </p:cSld>
+  <p:clrMapOvr>
+    <a:masterClrMapping/>
+  </p:clrMapOvr>
+</p:notes>
+</file>
+
 <file path=ppt/slideLayouts/slideLayout1.xml><?xml version="1.0" encoding="utf-8"?>
 <p:sldLayout xmlns:a="http://schemas.openxmlformats.org/drawingml/2006/main" xmlns:r="http://schemas.openxmlformats.org/officeDocument/2006/relationships" xmlns:p="http://schemas.openxmlformats.org/presentationml/2006/main" type="title" preserve="1">
   <p:cSld name="Title Slide">
@@ -905,7 +1023,7 @@
           <a:p>
             <a:fld id="{5D6495F3-B757-4FAF-98AA-EDA7D1485485}" type="datetimeFigureOut">
               <a:rPr lang="en-US" smtClean="0"/>
-              <a:t>7/6/2023</a:t>
+              <a:t>7/7/2023</a:t>
             </a:fld>
             <a:endParaRPr lang="en-US"/>
           </a:p>
@@ -1103,7 +1221,7 @@
           <a:p>
             <a:fld id="{5D6495F3-B757-4FAF-98AA-EDA7D1485485}" type="datetimeFigureOut">
               <a:rPr lang="en-US" smtClean="0"/>
-              <a:t>7/6/2023</a:t>
+              <a:t>7/7/2023</a:t>
             </a:fld>
             <a:endParaRPr lang="en-US"/>
           </a:p>
@@ -1311,7 +1429,7 @@
           <a:p>
             <a:fld id="{5D6495F3-B757-4FAF-98AA-EDA7D1485485}" type="datetimeFigureOut">
               <a:rPr lang="en-US" smtClean="0"/>
-              <a:t>7/6/2023</a:t>
+              <a:t>7/7/2023</a:t>
             </a:fld>
             <a:endParaRPr lang="en-US"/>
           </a:p>
@@ -1559,7 +1677,7 @@
           <a:p>
             <a:fld id="{3652CD92-9D15-43B4-8516-073FCDAC90D4}" type="datetimeFigureOut">
               <a:rPr lang="en-US" smtClean="0"/>
-              <a:t>7/6/2023</a:t>
+              <a:t>7/7/2023</a:t>
             </a:fld>
             <a:endParaRPr lang="en-US"/>
           </a:p>
@@ -1782,7 +1900,7 @@
           <a:p>
             <a:fld id="{5D6495F3-B757-4FAF-98AA-EDA7D1485485}" type="datetimeFigureOut">
               <a:rPr lang="en-US" smtClean="0"/>
-              <a:t>7/6/2023</a:t>
+              <a:t>7/7/2023</a:t>
             </a:fld>
             <a:endParaRPr lang="en-US"/>
           </a:p>
@@ -2057,7 +2175,7 @@
           <a:p>
             <a:fld id="{5D6495F3-B757-4FAF-98AA-EDA7D1485485}" type="datetimeFigureOut">
               <a:rPr lang="en-US" smtClean="0"/>
-              <a:t>7/6/2023</a:t>
+              <a:t>7/7/2023</a:t>
             </a:fld>
             <a:endParaRPr lang="en-US"/>
           </a:p>
@@ -2322,7 +2440,7 @@
           <a:p>
             <a:fld id="{5D6495F3-B757-4FAF-98AA-EDA7D1485485}" type="datetimeFigureOut">
               <a:rPr lang="en-US" smtClean="0"/>
-              <a:t>7/6/2023</a:t>
+              <a:t>7/7/2023</a:t>
             </a:fld>
             <a:endParaRPr lang="en-US"/>
           </a:p>
@@ -2734,7 +2852,7 @@
           <a:p>
             <a:fld id="{5D6495F3-B757-4FAF-98AA-EDA7D1485485}" type="datetimeFigureOut">
               <a:rPr lang="en-US" smtClean="0"/>
-              <a:t>7/6/2023</a:t>
+              <a:t>7/7/2023</a:t>
             </a:fld>
             <a:endParaRPr lang="en-US"/>
           </a:p>
@@ -2875,7 +2993,7 @@
           <a:p>
             <a:fld id="{5D6495F3-B757-4FAF-98AA-EDA7D1485485}" type="datetimeFigureOut">
               <a:rPr lang="en-US" smtClean="0"/>
-              <a:t>7/6/2023</a:t>
+              <a:t>7/7/2023</a:t>
             </a:fld>
             <a:endParaRPr lang="en-US"/>
           </a:p>
@@ -2988,7 +3106,7 @@
           <a:p>
             <a:fld id="{5D6495F3-B757-4FAF-98AA-EDA7D1485485}" type="datetimeFigureOut">
               <a:rPr lang="en-US" smtClean="0"/>
-              <a:t>7/6/2023</a:t>
+              <a:t>7/7/2023</a:t>
             </a:fld>
             <a:endParaRPr lang="en-US"/>
           </a:p>
@@ -3299,7 +3417,7 @@
           <a:p>
             <a:fld id="{5D6495F3-B757-4FAF-98AA-EDA7D1485485}" type="datetimeFigureOut">
               <a:rPr lang="en-US" smtClean="0"/>
-              <a:t>7/6/2023</a:t>
+              <a:t>7/7/2023</a:t>
             </a:fld>
             <a:endParaRPr lang="en-US"/>
           </a:p>
@@ -3590,7 +3708,7 @@
           <a:p>
             <a:fld id="{5D6495F3-B757-4FAF-98AA-EDA7D1485485}" type="datetimeFigureOut">
               <a:rPr lang="en-US" smtClean="0"/>
-              <a:t>7/6/2023</a:t>
+              <a:t>7/7/2023</a:t>
             </a:fld>
             <a:endParaRPr lang="en-US"/>
           </a:p>
@@ -3831,7 +3949,7 @@
           <a:p>
             <a:fld id="{5D6495F3-B757-4FAF-98AA-EDA7D1485485}" type="datetimeFigureOut">
               <a:rPr lang="en-US" smtClean="0"/>
-              <a:t>7/6/2023</a:t>
+              <a:t>7/7/2023</a:t>
             </a:fld>
             <a:endParaRPr lang="en-US"/>
           </a:p>
@@ -4381,7 +4499,7 @@
           <a:p>
             <a:fld id="{3652CD92-9D15-43B4-8516-073FCDAC90D4}" type="datetimeFigureOut">
               <a:rPr lang="en-US" smtClean="0"/>
-              <a:t>7/6/2023</a:t>
+              <a:t>7/7/2023</a:t>
             </a:fld>
             <a:endParaRPr lang="en-US"/>
           </a:p>
@@ -5941,6 +6059,1007 @@
     <p:extLst>
       <p:ext uri="{BB962C8B-B14F-4D97-AF65-F5344CB8AC3E}">
         <p14:creationId xmlns:p14="http://schemas.microsoft.com/office/powerpoint/2010/main" val="401262969"/>
+      </p:ext>
+    </p:extLst>
+  </p:cSld>
+  <p:clrMapOvr>
+    <a:masterClrMapping/>
+  </p:clrMapOvr>
+</p:sld>
+</file>
+
+<file path=ppt/slides/slide11.xml><?xml version="1.0" encoding="utf-8"?>
+<p:sld xmlns:a="http://schemas.openxmlformats.org/drawingml/2006/main" xmlns:r="http://schemas.openxmlformats.org/officeDocument/2006/relationships" xmlns:p="http://schemas.openxmlformats.org/presentationml/2006/main">
+  <p:cSld>
+    <p:bg>
+      <p:bgPr>
+        <a:solidFill>
+          <a:schemeClr val="bg1"/>
+        </a:solidFill>
+        <a:effectLst/>
+      </p:bgPr>
+    </p:bg>
+    <p:spTree>
+      <p:nvGrpSpPr>
+        <p:cNvPr id="1" name=""/>
+        <p:cNvGrpSpPr/>
+        <p:nvPr/>
+      </p:nvGrpSpPr>
+      <p:grpSpPr>
+        <a:xfrm>
+          <a:off x="0" y="0"/>
+          <a:ext cx="0" cy="0"/>
+          <a:chOff x="0" y="0"/>
+          <a:chExt cx="0" cy="0"/>
+        </a:xfrm>
+      </p:grpSpPr>
+      <p:sp useBgFill="1">
+        <p:nvSpPr>
+          <p:cNvPr id="16" name="Rectangle 8">
+            <a:extLst>
+              <a:ext uri="{FF2B5EF4-FFF2-40B4-BE49-F238E27FC236}">
+                <a16:creationId xmlns:a16="http://schemas.microsoft.com/office/drawing/2014/main" id="{F837543A-6020-4505-A233-C9DB4BF74011}"/>
+              </a:ext>
+              <a:ext uri="{C183D7F6-B498-43B3-948B-1728B52AA6E4}">
+                <adec:decorative xmlns:adec="http://schemas.microsoft.com/office/drawing/2017/decorative" val="1"/>
+              </a:ext>
+            </a:extLst>
+          </p:cNvPr>
+          <p:cNvSpPr>
+            <a:spLocks noGrp="1" noRot="1" noChangeAspect="1" noMove="1" noResize="1" noEditPoints="1" noAdjustHandles="1" noChangeArrowheads="1" noChangeShapeType="1" noTextEdit="1"/>
+          </p:cNvSpPr>
+          <p:nvPr>
+            <p:extLst>
+              <p:ext uri="{386F3935-93C4-4BCD-93E2-E3B085C9AB24}">
+                <p16:designElem xmlns:p16="http://schemas.microsoft.com/office/powerpoint/2015/main" val="1"/>
+              </p:ext>
+            </p:extLst>
+          </p:nvPr>
+        </p:nvSpPr>
+        <p:spPr>
+          <a:xfrm>
+            <a:off x="3048" y="0"/>
+            <a:ext cx="12188952" cy="6858000"/>
+          </a:xfrm>
+          <a:prstGeom prst="rect">
+            <a:avLst/>
+          </a:prstGeom>
+          <a:ln>
+            <a:noFill/>
+          </a:ln>
+        </p:spPr>
+        <p:style>
+          <a:lnRef idx="2">
+            <a:schemeClr val="accent1">
+              <a:shade val="50000"/>
+            </a:schemeClr>
+          </a:lnRef>
+          <a:fillRef idx="1">
+            <a:schemeClr val="accent1"/>
+          </a:fillRef>
+          <a:effectRef idx="0">
+            <a:schemeClr val="accent1"/>
+          </a:effectRef>
+          <a:fontRef idx="minor">
+            <a:schemeClr val="lt1"/>
+          </a:fontRef>
+        </p:style>
+        <p:txBody>
+          <a:bodyPr rtlCol="0" anchor="ctr"/>
+          <a:lstStyle/>
+          <a:p>
+            <a:pPr algn="ctr"/>
+            <a:endParaRPr lang="en-US"/>
+          </a:p>
+        </p:txBody>
+      </p:sp>
+      <p:sp>
+        <p:nvSpPr>
+          <p:cNvPr id="4" name="Title 3">
+            <a:extLst>
+              <a:ext uri="{FF2B5EF4-FFF2-40B4-BE49-F238E27FC236}">
+                <a16:creationId xmlns:a16="http://schemas.microsoft.com/office/drawing/2014/main" id="{D4F20987-27D3-5BBB-A60E-E340CC11B0BF}"/>
+              </a:ext>
+            </a:extLst>
+          </p:cNvPr>
+          <p:cNvSpPr>
+            <a:spLocks noGrp="1"/>
+          </p:cNvSpPr>
+          <p:nvPr>
+            <p:ph type="title"/>
+          </p:nvPr>
+        </p:nvSpPr>
+        <p:spPr>
+          <a:xfrm>
+            <a:off x="132026" y="370015"/>
+            <a:ext cx="5183231" cy="920903"/>
+          </a:xfrm>
+          <a:solidFill>
+            <a:schemeClr val="accent2"/>
+          </a:solidFill>
+        </p:spPr>
+        <p:txBody>
+          <a:bodyPr>
+            <a:normAutofit/>
+          </a:bodyPr>
+          <a:lstStyle/>
+          <a:p>
+            <a:r>
+              <a:rPr lang="en-US" dirty="0">
+                <a:solidFill>
+                  <a:schemeClr val="bg1"/>
+                </a:solidFill>
+              </a:rPr>
+              <a:t>Summary</a:t>
+            </a:r>
+          </a:p>
+        </p:txBody>
+      </p:sp>
+      <p:sp>
+        <p:nvSpPr>
+          <p:cNvPr id="18" name="Freeform: Shape 10">
+            <a:extLst>
+              <a:ext uri="{FF2B5EF4-FFF2-40B4-BE49-F238E27FC236}">
+                <a16:creationId xmlns:a16="http://schemas.microsoft.com/office/drawing/2014/main" id="{35B16301-FB18-48BA-A6DD-C37CAF6F9A18}"/>
+              </a:ext>
+              <a:ext uri="{C183D7F6-B498-43B3-948B-1728B52AA6E4}">
+                <adec:decorative xmlns:adec="http://schemas.microsoft.com/office/drawing/2017/decorative" val="1"/>
+              </a:ext>
+            </a:extLst>
+          </p:cNvPr>
+          <p:cNvSpPr>
+            <a:spLocks noGrp="1" noRot="1" noChangeAspect="1" noMove="1" noResize="1" noEditPoints="1" noAdjustHandles="1" noChangeArrowheads="1" noChangeShapeType="1" noTextEdit="1"/>
+          </p:cNvSpPr>
+          <p:nvPr>
+            <p:extLst>
+              <p:ext uri="{386F3935-93C4-4BCD-93E2-E3B085C9AB24}">
+                <p16:designElem xmlns:p16="http://schemas.microsoft.com/office/powerpoint/2015/main" val="1"/>
+              </p:ext>
+            </p:extLst>
+          </p:nvPr>
+        </p:nvSpPr>
+        <p:spPr>
+          <a:xfrm>
+            <a:off x="10208695" y="1"/>
+            <a:ext cx="1135066" cy="477997"/>
+          </a:xfrm>
+          <a:custGeom>
+            <a:avLst/>
+            <a:gdLst>
+              <a:gd name="connsiteX0" fmla="*/ 0 w 1135066"/>
+              <a:gd name="connsiteY0" fmla="*/ 0 h 477997"/>
+              <a:gd name="connsiteX1" fmla="*/ 1135066 w 1135066"/>
+              <a:gd name="connsiteY1" fmla="*/ 0 h 477997"/>
+              <a:gd name="connsiteX2" fmla="*/ 1133370 w 1135066"/>
+              <a:gd name="connsiteY2" fmla="*/ 16827 h 477997"/>
+              <a:gd name="connsiteX3" fmla="*/ 567533 w 1135066"/>
+              <a:gd name="connsiteY3" fmla="*/ 477997 h 477997"/>
+              <a:gd name="connsiteX4" fmla="*/ 1696 w 1135066"/>
+              <a:gd name="connsiteY4" fmla="*/ 16827 h 477997"/>
+            </a:gdLst>
+            <a:ahLst/>
+            <a:cxnLst>
+              <a:cxn ang="0">
+                <a:pos x="connsiteX0" y="connsiteY0"/>
+              </a:cxn>
+              <a:cxn ang="0">
+                <a:pos x="connsiteX1" y="connsiteY1"/>
+              </a:cxn>
+              <a:cxn ang="0">
+                <a:pos x="connsiteX2" y="connsiteY2"/>
+              </a:cxn>
+              <a:cxn ang="0">
+                <a:pos x="connsiteX3" y="connsiteY3"/>
+              </a:cxn>
+              <a:cxn ang="0">
+                <a:pos x="connsiteX4" y="connsiteY4"/>
+              </a:cxn>
+            </a:cxnLst>
+            <a:rect l="l" t="t" r="r" b="b"/>
+            <a:pathLst>
+              <a:path w="1135066" h="477997">
+                <a:moveTo>
+                  <a:pt x="0" y="0"/>
+                </a:moveTo>
+                <a:lnTo>
+                  <a:pt x="1135066" y="0"/>
+                </a:lnTo>
+                <a:lnTo>
+                  <a:pt x="1133370" y="16827"/>
+                </a:lnTo>
+                <a:cubicBezTo>
+                  <a:pt x="1079514" y="280016"/>
+                  <a:pt x="846644" y="477997"/>
+                  <a:pt x="567533" y="477997"/>
+                </a:cubicBezTo>
+                <a:cubicBezTo>
+                  <a:pt x="288422" y="477997"/>
+                  <a:pt x="55552" y="280016"/>
+                  <a:pt x="1696" y="16827"/>
+                </a:cubicBezTo>
+                <a:close/>
+              </a:path>
+            </a:pathLst>
+          </a:custGeom>
+          <a:solidFill>
+            <a:schemeClr val="accent5"/>
+          </a:solidFill>
+          <a:ln>
+            <a:noFill/>
+          </a:ln>
+        </p:spPr>
+        <p:style>
+          <a:lnRef idx="2">
+            <a:schemeClr val="accent1">
+              <a:shade val="50000"/>
+            </a:schemeClr>
+          </a:lnRef>
+          <a:fillRef idx="1">
+            <a:schemeClr val="accent1"/>
+          </a:fillRef>
+          <a:effectRef idx="0">
+            <a:schemeClr val="accent1"/>
+          </a:effectRef>
+          <a:fontRef idx="minor">
+            <a:schemeClr val="lt1"/>
+          </a:fontRef>
+        </p:style>
+        <p:txBody>
+          <a:bodyPr wrap="square" rtlCol="0" anchor="ctr">
+            <a:noAutofit/>
+          </a:bodyPr>
+          <a:lstStyle/>
+          <a:p>
+            <a:pPr algn="ctr"/>
+            <a:endParaRPr lang="en-US"/>
+          </a:p>
+        </p:txBody>
+      </p:sp>
+      <p:sp>
+        <p:nvSpPr>
+          <p:cNvPr id="3" name="Content Placeholder 2"/>
+          <p:cNvSpPr>
+            <a:spLocks noGrp="1"/>
+          </p:cNvSpPr>
+          <p:nvPr>
+            <p:ph idx="1"/>
+          </p:nvPr>
+        </p:nvSpPr>
+        <p:spPr>
+          <a:xfrm>
+            <a:off x="132026" y="1331572"/>
+            <a:ext cx="6264663" cy="5323500"/>
+          </a:xfrm>
+          <a:ln>
+            <a:solidFill>
+              <a:schemeClr val="tx1"/>
+            </a:solidFill>
+          </a:ln>
+        </p:spPr>
+        <p:txBody>
+          <a:bodyPr>
+            <a:noAutofit/>
+          </a:bodyPr>
+          <a:lstStyle/>
+          <a:p>
+            <a:pPr marL="0" indent="0">
+              <a:buNone/>
+            </a:pPr>
+            <a:r>
+              <a:rPr lang="en-US" sz="2400" dirty="0"/>
+              <a:t>Using these data sets we are able to see the Data Analytics salaries though the past three year and the trends company are using since the start of covid-19. One popular trend that company using is the used of remote and hybrid jobs, which sound great, but will that change our expected salaries. Now we can use the charts form slid 8 what possible salaries could be if we go for remote jobs. The same can be done if we search for jobs with small or large companies, popular job title, and even how our experience level can impact our possible salaries. With this data base we can now have a better understanding of what we should expect in going into the Data Analytics job field. </a:t>
+            </a:r>
+          </a:p>
+        </p:txBody>
+      </p:sp>
+      <p:sp>
+        <p:nvSpPr>
+          <p:cNvPr id="20" name="Oval 12">
+            <a:extLst>
+              <a:ext uri="{FF2B5EF4-FFF2-40B4-BE49-F238E27FC236}">
+                <a16:creationId xmlns:a16="http://schemas.microsoft.com/office/drawing/2014/main" id="{C3C0D90E-074A-4F52-9B11-B52BEF4BCBE5}"/>
+              </a:ext>
+              <a:ext uri="{C183D7F6-B498-43B3-948B-1728B52AA6E4}">
+                <adec:decorative xmlns:adec="http://schemas.microsoft.com/office/drawing/2017/decorative" val="1"/>
+              </a:ext>
+            </a:extLst>
+          </p:cNvPr>
+          <p:cNvSpPr>
+            <a:spLocks noGrp="1" noRot="1" noChangeAspect="1" noMove="1" noResize="1" noEditPoints="1" noAdjustHandles="1" noChangeArrowheads="1" noChangeShapeType="1" noTextEdit="1"/>
+          </p:cNvSpPr>
+          <p:nvPr>
+            <p:extLst>
+              <p:ext uri="{386F3935-93C4-4BCD-93E2-E3B085C9AB24}">
+                <p16:designElem xmlns:p16="http://schemas.microsoft.com/office/powerpoint/2015/main" val="1"/>
+              </p:ext>
+            </p:extLst>
+          </p:nvPr>
+        </p:nvSpPr>
+        <p:spPr>
+          <a:xfrm>
+            <a:off x="6821310" y="2624479"/>
+            <a:ext cx="812427" cy="812427"/>
+          </a:xfrm>
+          <a:prstGeom prst="ellipse">
+            <a:avLst/>
+          </a:prstGeom>
+          <a:noFill/>
+          <a:ln w="127000">
+            <a:solidFill>
+              <a:schemeClr val="accent5"/>
+            </a:solidFill>
+          </a:ln>
+        </p:spPr>
+        <p:style>
+          <a:lnRef idx="2">
+            <a:schemeClr val="accent1">
+              <a:shade val="50000"/>
+            </a:schemeClr>
+          </a:lnRef>
+          <a:fillRef idx="1">
+            <a:schemeClr val="accent1"/>
+          </a:fillRef>
+          <a:effectRef idx="0">
+            <a:schemeClr val="accent1"/>
+          </a:effectRef>
+          <a:fontRef idx="minor">
+            <a:schemeClr val="lt1"/>
+          </a:fontRef>
+        </p:style>
+        <p:txBody>
+          <a:bodyPr rtlCol="0" anchor="ctr"/>
+          <a:lstStyle/>
+          <a:p>
+            <a:pPr algn="ctr"/>
+            <a:endParaRPr lang="en-US" dirty="0"/>
+          </a:p>
+        </p:txBody>
+      </p:sp>
+      <p:sp>
+        <p:nvSpPr>
+          <p:cNvPr id="15" name="Block Arc 14">
+            <a:extLst>
+              <a:ext uri="{FF2B5EF4-FFF2-40B4-BE49-F238E27FC236}">
+                <a16:creationId xmlns:a16="http://schemas.microsoft.com/office/drawing/2014/main" id="{CABBD4C1-E6F8-46F6-8152-A8A97490BF4D}"/>
+              </a:ext>
+              <a:ext uri="{C183D7F6-B498-43B3-948B-1728B52AA6E4}">
+                <adec:decorative xmlns:adec="http://schemas.microsoft.com/office/drawing/2017/decorative" val="1"/>
+              </a:ext>
+            </a:extLst>
+          </p:cNvPr>
+          <p:cNvSpPr>
+            <a:spLocks noGrp="1" noRot="1" noChangeAspect="1" noMove="1" noResize="1" noEditPoints="1" noAdjustHandles="1" noChangeArrowheads="1" noChangeShapeType="1" noTextEdit="1"/>
+          </p:cNvSpPr>
+          <p:nvPr>
+            <p:extLst>
+              <p:ext uri="{386F3935-93C4-4BCD-93E2-E3B085C9AB24}">
+                <p16:designElem xmlns:p16="http://schemas.microsoft.com/office/powerpoint/2015/main" val="1"/>
+              </p:ext>
+            </p:extLst>
+          </p:nvPr>
+        </p:nvSpPr>
+        <p:spPr>
+          <a:xfrm rot="16200000">
+            <a:off x="8912417" y="1218531"/>
+            <a:ext cx="2387600" cy="2387600"/>
+          </a:xfrm>
+          <a:prstGeom prst="blockArc">
+            <a:avLst/>
+          </a:prstGeom>
+          <a:solidFill>
+            <a:schemeClr val="accent2"/>
+          </a:solidFill>
+          <a:ln>
+            <a:noFill/>
+          </a:ln>
+        </p:spPr>
+        <p:style>
+          <a:lnRef idx="2">
+            <a:schemeClr val="accent1">
+              <a:shade val="50000"/>
+            </a:schemeClr>
+          </a:lnRef>
+          <a:fillRef idx="1">
+            <a:schemeClr val="accent1"/>
+          </a:fillRef>
+          <a:effectRef idx="0">
+            <a:schemeClr val="accent1"/>
+          </a:effectRef>
+          <a:fontRef idx="minor">
+            <a:schemeClr val="lt1"/>
+          </a:fontRef>
+        </p:style>
+        <p:txBody>
+          <a:bodyPr rtlCol="0" anchor="ctr"/>
+          <a:lstStyle/>
+          <a:p>
+            <a:pPr algn="ctr"/>
+            <a:endParaRPr lang="en-US">
+              <a:solidFill>
+                <a:schemeClr val="tx1"/>
+              </a:solidFill>
+            </a:endParaRPr>
+          </a:p>
+        </p:txBody>
+      </p:sp>
+      <p:sp>
+        <p:nvSpPr>
+          <p:cNvPr id="17" name="Freeform: Shape 16">
+            <a:extLst>
+              <a:ext uri="{FF2B5EF4-FFF2-40B4-BE49-F238E27FC236}">
+                <a16:creationId xmlns:a16="http://schemas.microsoft.com/office/drawing/2014/main" id="{83BA5EF5-1FE9-4BF9-83BB-269BCDDF6156}"/>
+              </a:ext>
+              <a:ext uri="{C183D7F6-B498-43B3-948B-1728B52AA6E4}">
+                <adec:decorative xmlns:adec="http://schemas.microsoft.com/office/drawing/2017/decorative" val="1"/>
+              </a:ext>
+            </a:extLst>
+          </p:cNvPr>
+          <p:cNvSpPr>
+            <a:spLocks noGrp="1" noRot="1" noChangeAspect="1" noMove="1" noResize="1" noEditPoints="1" noAdjustHandles="1" noChangeArrowheads="1" noChangeShapeType="1" noTextEdit="1"/>
+          </p:cNvSpPr>
+          <p:nvPr>
+            <p:extLst>
+              <p:ext uri="{386F3935-93C4-4BCD-93E2-E3B085C9AB24}">
+                <p16:designElem xmlns:p16="http://schemas.microsoft.com/office/powerpoint/2015/main" val="1"/>
+              </p:ext>
+            </p:extLst>
+          </p:nvPr>
+        </p:nvSpPr>
+        <p:spPr>
+          <a:xfrm>
+            <a:off x="6821310" y="0"/>
+            <a:ext cx="2315251" cy="1550992"/>
+          </a:xfrm>
+          <a:custGeom>
+            <a:avLst/>
+            <a:gdLst>
+              <a:gd name="connsiteX0" fmla="*/ 0 w 2315251"/>
+              <a:gd name="connsiteY0" fmla="*/ 0 h 1550992"/>
+              <a:gd name="connsiteX1" fmla="*/ 138700 w 2315251"/>
+              <a:gd name="connsiteY1" fmla="*/ 0 h 1550992"/>
+              <a:gd name="connsiteX2" fmla="*/ 138700 w 2315251"/>
+              <a:gd name="connsiteY2" fmla="*/ 1361400 h 1550992"/>
+              <a:gd name="connsiteX3" fmla="*/ 2107387 w 2315251"/>
+              <a:gd name="connsiteY3" fmla="*/ 222673 h 1550992"/>
+              <a:gd name="connsiteX4" fmla="*/ 1722420 w 2315251"/>
+              <a:gd name="connsiteY4" fmla="*/ 0 h 1550992"/>
+              <a:gd name="connsiteX5" fmla="*/ 1999436 w 2315251"/>
+              <a:gd name="connsiteY5" fmla="*/ 0 h 1550992"/>
+              <a:gd name="connsiteX6" fmla="*/ 2280549 w 2315251"/>
+              <a:gd name="connsiteY6" fmla="*/ 162605 h 1550992"/>
+              <a:gd name="connsiteX7" fmla="*/ 2305953 w 2315251"/>
+              <a:gd name="connsiteY7" fmla="*/ 257336 h 1550992"/>
+              <a:gd name="connsiteX8" fmla="*/ 2280549 w 2315251"/>
+              <a:gd name="connsiteY8" fmla="*/ 282740 h 1550992"/>
+              <a:gd name="connsiteX9" fmla="*/ 104026 w 2315251"/>
+              <a:gd name="connsiteY9" fmla="*/ 1541710 h 1550992"/>
+              <a:gd name="connsiteX10" fmla="*/ 69351 w 2315251"/>
+              <a:gd name="connsiteY10" fmla="*/ 1550992 h 1550992"/>
+              <a:gd name="connsiteX11" fmla="*/ 0 w 2315251"/>
+              <a:gd name="connsiteY11" fmla="*/ 1481643 h 1550992"/>
+            </a:gdLst>
+            <a:ahLst/>
+            <a:cxnLst>
+              <a:cxn ang="0">
+                <a:pos x="connsiteX0" y="connsiteY0"/>
+              </a:cxn>
+              <a:cxn ang="0">
+                <a:pos x="connsiteX1" y="connsiteY1"/>
+              </a:cxn>
+              <a:cxn ang="0">
+                <a:pos x="connsiteX2" y="connsiteY2"/>
+              </a:cxn>
+              <a:cxn ang="0">
+                <a:pos x="connsiteX3" y="connsiteY3"/>
+              </a:cxn>
+              <a:cxn ang="0">
+                <a:pos x="connsiteX4" y="connsiteY4"/>
+              </a:cxn>
+              <a:cxn ang="0">
+                <a:pos x="connsiteX5" y="connsiteY5"/>
+              </a:cxn>
+              <a:cxn ang="0">
+                <a:pos x="connsiteX6" y="connsiteY6"/>
+              </a:cxn>
+              <a:cxn ang="0">
+                <a:pos x="connsiteX7" y="connsiteY7"/>
+              </a:cxn>
+              <a:cxn ang="0">
+                <a:pos x="connsiteX8" y="connsiteY8"/>
+              </a:cxn>
+              <a:cxn ang="0">
+                <a:pos x="connsiteX9" y="connsiteY9"/>
+              </a:cxn>
+              <a:cxn ang="0">
+                <a:pos x="connsiteX10" y="connsiteY10"/>
+              </a:cxn>
+              <a:cxn ang="0">
+                <a:pos x="connsiteX11" y="connsiteY11"/>
+              </a:cxn>
+            </a:cxnLst>
+            <a:rect l="l" t="t" r="r" b="b"/>
+            <a:pathLst>
+              <a:path w="2315251" h="1550992">
+                <a:moveTo>
+                  <a:pt x="0" y="0"/>
+                </a:moveTo>
+                <a:lnTo>
+                  <a:pt x="138700" y="0"/>
+                </a:lnTo>
+                <a:lnTo>
+                  <a:pt x="138700" y="1361400"/>
+                </a:lnTo>
+                <a:lnTo>
+                  <a:pt x="2107387" y="222673"/>
+                </a:lnTo>
+                <a:lnTo>
+                  <a:pt x="1722420" y="0"/>
+                </a:lnTo>
+                <a:lnTo>
+                  <a:pt x="1999436" y="0"/>
+                </a:lnTo>
+                <a:lnTo>
+                  <a:pt x="2280549" y="162605"/>
+                </a:lnTo>
+                <a:cubicBezTo>
+                  <a:pt x="2313720" y="181745"/>
+                  <a:pt x="2325104" y="224155"/>
+                  <a:pt x="2305953" y="257336"/>
+                </a:cubicBezTo>
+                <a:cubicBezTo>
+                  <a:pt x="2299872" y="267889"/>
+                  <a:pt x="2291101" y="276648"/>
+                  <a:pt x="2280549" y="282740"/>
+                </a:cubicBezTo>
+                <a:lnTo>
+                  <a:pt x="104026" y="1541710"/>
+                </a:lnTo>
+                <a:cubicBezTo>
+                  <a:pt x="93484" y="1547802"/>
+                  <a:pt x="81523" y="1551003"/>
+                  <a:pt x="69351" y="1550992"/>
+                </a:cubicBezTo>
+                <a:cubicBezTo>
+                  <a:pt x="31049" y="1550992"/>
+                  <a:pt x="0" y="1519944"/>
+                  <a:pt x="0" y="1481643"/>
+                </a:cubicBezTo>
+                <a:close/>
+              </a:path>
+            </a:pathLst>
+          </a:custGeom>
+          <a:solidFill>
+            <a:schemeClr val="accent6"/>
+          </a:solidFill>
+          <a:ln w="9525" cap="flat">
+            <a:noFill/>
+            <a:prstDash val="solid"/>
+            <a:miter/>
+          </a:ln>
+        </p:spPr>
+        <p:txBody>
+          <a:bodyPr rtlCol="0" anchor="ctr"/>
+          <a:lstStyle/>
+          <a:p>
+            <a:endParaRPr lang="en-US" dirty="0"/>
+          </a:p>
+        </p:txBody>
+      </p:sp>
+      <p:cxnSp>
+        <p:nvCxnSpPr>
+          <p:cNvPr id="19" name="Straight Connector 18">
+            <a:extLst>
+              <a:ext uri="{FF2B5EF4-FFF2-40B4-BE49-F238E27FC236}">
+                <a16:creationId xmlns:a16="http://schemas.microsoft.com/office/drawing/2014/main" id="{4B3BCACB-5880-460B-9606-8C433A9AF99D}"/>
+              </a:ext>
+              <a:ext uri="{C183D7F6-B498-43B3-948B-1728B52AA6E4}">
+                <adec:decorative xmlns:adec="http://schemas.microsoft.com/office/drawing/2017/decorative" val="1"/>
+              </a:ext>
+            </a:extLst>
+          </p:cNvPr>
+          <p:cNvCxnSpPr>
+            <a:cxnSpLocks noGrp="1" noRot="1" noChangeAspect="1" noMove="1" noResize="1" noEditPoints="1" noAdjustHandles="1" noChangeArrowheads="1" noChangeShapeType="1"/>
+          </p:cNvCxnSpPr>
+          <p:nvPr>
+            <p:extLst>
+              <p:ext uri="{386F3935-93C4-4BCD-93E2-E3B085C9AB24}">
+                <p16:designElem xmlns:p16="http://schemas.microsoft.com/office/powerpoint/2015/main" val="1"/>
+              </p:ext>
+            </p:extLst>
+          </p:nvPr>
+        </p:nvCxnSpPr>
+        <p:spPr>
+          <a:xfrm>
+            <a:off x="11724638" y="1331572"/>
+            <a:ext cx="0" cy="1597708"/>
+          </a:xfrm>
+          <a:prstGeom prst="line">
+            <a:avLst/>
+          </a:prstGeom>
+          <a:ln w="127000" cap="rnd">
+            <a:solidFill>
+              <a:schemeClr val="accent4"/>
+            </a:solidFill>
+            <a:prstDash val="dash"/>
+          </a:ln>
+        </p:spPr>
+        <p:style>
+          <a:lnRef idx="1">
+            <a:schemeClr val="accent1"/>
+          </a:lnRef>
+          <a:fillRef idx="0">
+            <a:schemeClr val="accent1"/>
+          </a:fillRef>
+          <a:effectRef idx="0">
+            <a:schemeClr val="accent1"/>
+          </a:effectRef>
+          <a:fontRef idx="minor">
+            <a:schemeClr val="tx1"/>
+          </a:fontRef>
+        </p:style>
+      </p:cxnSp>
+      <p:sp>
+        <p:nvSpPr>
+          <p:cNvPr id="21" name="Freeform: Shape 20">
+            <a:extLst>
+              <a:ext uri="{FF2B5EF4-FFF2-40B4-BE49-F238E27FC236}">
+                <a16:creationId xmlns:a16="http://schemas.microsoft.com/office/drawing/2014/main" id="{88853921-7BC9-4BDE-ACAB-133C683C82D6}"/>
+              </a:ext>
+              <a:ext uri="{C183D7F6-B498-43B3-948B-1728B52AA6E4}">
+                <adec:decorative xmlns:adec="http://schemas.microsoft.com/office/drawing/2017/decorative" val="1"/>
+              </a:ext>
+            </a:extLst>
+          </p:cNvPr>
+          <p:cNvSpPr>
+            <a:spLocks noGrp="1" noRot="1" noChangeAspect="1" noMove="1" noResize="1" noEditPoints="1" noAdjustHandles="1" noChangeArrowheads="1" noChangeShapeType="1" noTextEdit="1"/>
+          </p:cNvSpPr>
+          <p:nvPr>
+            <p:extLst>
+              <p:ext uri="{386F3935-93C4-4BCD-93E2-E3B085C9AB24}">
+                <p16:designElem xmlns:p16="http://schemas.microsoft.com/office/powerpoint/2015/main" val="1"/>
+              </p:ext>
+            </p:extLst>
+          </p:nvPr>
+        </p:nvSpPr>
+        <p:spPr>
+          <a:xfrm>
+            <a:off x="11005550" y="4112081"/>
+            <a:ext cx="1186451" cy="1771650"/>
+          </a:xfrm>
+          <a:custGeom>
+            <a:avLst/>
+            <a:gdLst>
+              <a:gd name="connsiteX0" fmla="*/ 61913 w 1186451"/>
+              <a:gd name="connsiteY0" fmla="*/ 0 h 1771650"/>
+              <a:gd name="connsiteX1" fmla="*/ 1186451 w 1186451"/>
+              <a:gd name="connsiteY1" fmla="*/ 0 h 1771650"/>
+              <a:gd name="connsiteX2" fmla="*/ 1186451 w 1186451"/>
+              <a:gd name="connsiteY2" fmla="*/ 123825 h 1771650"/>
+              <a:gd name="connsiteX3" fmla="*/ 123825 w 1186451"/>
+              <a:gd name="connsiteY3" fmla="*/ 123825 h 1771650"/>
+              <a:gd name="connsiteX4" fmla="*/ 123825 w 1186451"/>
+              <a:gd name="connsiteY4" fmla="*/ 1647825 h 1771650"/>
+              <a:gd name="connsiteX5" fmla="*/ 1186451 w 1186451"/>
+              <a:gd name="connsiteY5" fmla="*/ 1647825 h 1771650"/>
+              <a:gd name="connsiteX6" fmla="*/ 1186451 w 1186451"/>
+              <a:gd name="connsiteY6" fmla="*/ 1771650 h 1771650"/>
+              <a:gd name="connsiteX7" fmla="*/ 61913 w 1186451"/>
+              <a:gd name="connsiteY7" fmla="*/ 1771650 h 1771650"/>
+              <a:gd name="connsiteX8" fmla="*/ 0 w 1186451"/>
+              <a:gd name="connsiteY8" fmla="*/ 1709738 h 1771650"/>
+              <a:gd name="connsiteX9" fmla="*/ 0 w 1186451"/>
+              <a:gd name="connsiteY9" fmla="*/ 61913 h 1771650"/>
+              <a:gd name="connsiteX10" fmla="*/ 61913 w 1186451"/>
+              <a:gd name="connsiteY10" fmla="*/ 0 h 1771650"/>
+            </a:gdLst>
+            <a:ahLst/>
+            <a:cxnLst>
+              <a:cxn ang="0">
+                <a:pos x="connsiteX0" y="connsiteY0"/>
+              </a:cxn>
+              <a:cxn ang="0">
+                <a:pos x="connsiteX1" y="connsiteY1"/>
+              </a:cxn>
+              <a:cxn ang="0">
+                <a:pos x="connsiteX2" y="connsiteY2"/>
+              </a:cxn>
+              <a:cxn ang="0">
+                <a:pos x="connsiteX3" y="connsiteY3"/>
+              </a:cxn>
+              <a:cxn ang="0">
+                <a:pos x="connsiteX4" y="connsiteY4"/>
+              </a:cxn>
+              <a:cxn ang="0">
+                <a:pos x="connsiteX5" y="connsiteY5"/>
+              </a:cxn>
+              <a:cxn ang="0">
+                <a:pos x="connsiteX6" y="connsiteY6"/>
+              </a:cxn>
+              <a:cxn ang="0">
+                <a:pos x="connsiteX7" y="connsiteY7"/>
+              </a:cxn>
+              <a:cxn ang="0">
+                <a:pos x="connsiteX8" y="connsiteY8"/>
+              </a:cxn>
+              <a:cxn ang="0">
+                <a:pos x="connsiteX9" y="connsiteY9"/>
+              </a:cxn>
+              <a:cxn ang="0">
+                <a:pos x="connsiteX10" y="connsiteY10"/>
+              </a:cxn>
+            </a:cxnLst>
+            <a:rect l="l" t="t" r="r" b="b"/>
+            <a:pathLst>
+              <a:path w="1186451" h="1771650">
+                <a:moveTo>
+                  <a:pt x="61913" y="0"/>
+                </a:moveTo>
+                <a:lnTo>
+                  <a:pt x="1186451" y="0"/>
+                </a:lnTo>
+                <a:lnTo>
+                  <a:pt x="1186451" y="123825"/>
+                </a:lnTo>
+                <a:lnTo>
+                  <a:pt x="123825" y="123825"/>
+                </a:lnTo>
+                <a:lnTo>
+                  <a:pt x="123825" y="1647825"/>
+                </a:lnTo>
+                <a:lnTo>
+                  <a:pt x="1186451" y="1647825"/>
+                </a:lnTo>
+                <a:lnTo>
+                  <a:pt x="1186451" y="1771650"/>
+                </a:lnTo>
+                <a:lnTo>
+                  <a:pt x="61913" y="1771650"/>
+                </a:lnTo>
+                <a:cubicBezTo>
+                  <a:pt x="27719" y="1771650"/>
+                  <a:pt x="0" y="1743932"/>
+                  <a:pt x="0" y="1709738"/>
+                </a:cubicBezTo>
+                <a:lnTo>
+                  <a:pt x="0" y="61913"/>
+                </a:lnTo>
+                <a:cubicBezTo>
+                  <a:pt x="0" y="27719"/>
+                  <a:pt x="27719" y="0"/>
+                  <a:pt x="61913" y="0"/>
+                </a:cubicBezTo>
+                <a:close/>
+              </a:path>
+            </a:pathLst>
+          </a:custGeom>
+          <a:solidFill>
+            <a:schemeClr val="accent6"/>
+          </a:solidFill>
+          <a:ln w="9525" cap="flat">
+            <a:noFill/>
+            <a:prstDash val="solid"/>
+            <a:miter/>
+          </a:ln>
+        </p:spPr>
+        <p:txBody>
+          <a:bodyPr rtlCol="0" anchor="ctr"/>
+          <a:lstStyle/>
+          <a:p>
+            <a:endParaRPr lang="en-US"/>
+          </a:p>
+        </p:txBody>
+      </p:sp>
+      <p:sp>
+        <p:nvSpPr>
+          <p:cNvPr id="23" name="Arc 22">
+            <a:extLst>
+              <a:ext uri="{FF2B5EF4-FFF2-40B4-BE49-F238E27FC236}">
+                <a16:creationId xmlns:a16="http://schemas.microsoft.com/office/drawing/2014/main" id="{09192968-3AE7-4470-A61C-97294BB92731}"/>
+              </a:ext>
+              <a:ext uri="{C183D7F6-B498-43B3-948B-1728B52AA6E4}">
+                <adec:decorative xmlns:adec="http://schemas.microsoft.com/office/drawing/2017/decorative" val="1"/>
+              </a:ext>
+            </a:extLst>
+          </p:cNvPr>
+          <p:cNvSpPr>
+            <a:spLocks noGrp="1" noRot="1" noChangeAspect="1" noMove="1" noResize="1" noEditPoints="1" noAdjustHandles="1" noChangeArrowheads="1" noChangeShapeType="1" noTextEdit="1"/>
+          </p:cNvSpPr>
+          <p:nvPr>
+            <p:extLst>
+              <p:ext uri="{386F3935-93C4-4BCD-93E2-E3B085C9AB24}">
+                <p16:designElem xmlns:p16="http://schemas.microsoft.com/office/powerpoint/2015/main" val="1"/>
+              </p:ext>
+            </p:extLst>
+          </p:nvPr>
+        </p:nvSpPr>
+        <p:spPr>
+          <a:xfrm rot="20992895">
+            <a:off x="6086940" y="4145122"/>
+            <a:ext cx="4083433" cy="4083433"/>
+          </a:xfrm>
+          <a:prstGeom prst="arc">
+            <a:avLst/>
+          </a:prstGeom>
+          <a:ln w="127000" cap="rnd">
+            <a:solidFill>
+              <a:schemeClr val="accent4"/>
+            </a:solidFill>
+            <a:prstDash val="dash"/>
+          </a:ln>
+        </p:spPr>
+        <p:style>
+          <a:lnRef idx="1">
+            <a:schemeClr val="accent1"/>
+          </a:lnRef>
+          <a:fillRef idx="0">
+            <a:schemeClr val="accent1"/>
+          </a:fillRef>
+          <a:effectRef idx="0">
+            <a:schemeClr val="accent1"/>
+          </a:effectRef>
+          <a:fontRef idx="minor">
+            <a:schemeClr val="tx1"/>
+          </a:fontRef>
+        </p:style>
+        <p:txBody>
+          <a:bodyPr rtlCol="0" anchor="ctr"/>
+          <a:lstStyle/>
+          <a:p>
+            <a:pPr algn="ctr"/>
+            <a:endParaRPr lang="en-US" dirty="0"/>
+          </a:p>
+        </p:txBody>
+      </p:sp>
+      <p:sp>
+        <p:nvSpPr>
+          <p:cNvPr id="25" name="Freeform: Shape 24">
+            <a:extLst>
+              <a:ext uri="{FF2B5EF4-FFF2-40B4-BE49-F238E27FC236}">
+                <a16:creationId xmlns:a16="http://schemas.microsoft.com/office/drawing/2014/main" id="{3AB72E55-43E4-4356-BFE8-E2102CB0B505}"/>
+              </a:ext>
+              <a:ext uri="{C183D7F6-B498-43B3-948B-1728B52AA6E4}">
+                <adec:decorative xmlns:adec="http://schemas.microsoft.com/office/drawing/2017/decorative" val="1"/>
+              </a:ext>
+            </a:extLst>
+          </p:cNvPr>
+          <p:cNvSpPr>
+            <a:spLocks noGrp="1" noRot="1" noChangeAspect="1" noMove="1" noResize="1" noEditPoints="1" noAdjustHandles="1" noChangeArrowheads="1" noChangeShapeType="1" noTextEdit="1"/>
+          </p:cNvSpPr>
+          <p:nvPr>
+            <p:extLst>
+              <p:ext uri="{386F3935-93C4-4BCD-93E2-E3B085C9AB24}">
+                <p16:designElem xmlns:p16="http://schemas.microsoft.com/office/powerpoint/2015/main" val="1"/>
+              </p:ext>
+            </p:extLst>
+          </p:nvPr>
+        </p:nvSpPr>
+        <p:spPr>
+          <a:xfrm>
+            <a:off x="6821310" y="4962670"/>
+            <a:ext cx="2643352" cy="1895331"/>
+          </a:xfrm>
+          <a:custGeom>
+            <a:avLst/>
+            <a:gdLst>
+              <a:gd name="connsiteX0" fmla="*/ 1321676 w 2643352"/>
+              <a:gd name="connsiteY0" fmla="*/ 0 h 1895331"/>
+              <a:gd name="connsiteX1" fmla="*/ 2643352 w 2643352"/>
+              <a:gd name="connsiteY1" fmla="*/ 1321676 h 1895331"/>
+              <a:gd name="connsiteX2" fmla="*/ 2539488 w 2643352"/>
+              <a:gd name="connsiteY2" fmla="*/ 1836132 h 1895331"/>
+              <a:gd name="connsiteX3" fmla="*/ 2510970 w 2643352"/>
+              <a:gd name="connsiteY3" fmla="*/ 1895331 h 1895331"/>
+              <a:gd name="connsiteX4" fmla="*/ 132382 w 2643352"/>
+              <a:gd name="connsiteY4" fmla="*/ 1895331 h 1895331"/>
+              <a:gd name="connsiteX5" fmla="*/ 103864 w 2643352"/>
+              <a:gd name="connsiteY5" fmla="*/ 1836132 h 1895331"/>
+              <a:gd name="connsiteX6" fmla="*/ 0 w 2643352"/>
+              <a:gd name="connsiteY6" fmla="*/ 1321676 h 1895331"/>
+              <a:gd name="connsiteX7" fmla="*/ 1321676 w 2643352"/>
+              <a:gd name="connsiteY7" fmla="*/ 0 h 1895331"/>
+            </a:gdLst>
+            <a:ahLst/>
+            <a:cxnLst>
+              <a:cxn ang="0">
+                <a:pos x="connsiteX0" y="connsiteY0"/>
+              </a:cxn>
+              <a:cxn ang="0">
+                <a:pos x="connsiteX1" y="connsiteY1"/>
+              </a:cxn>
+              <a:cxn ang="0">
+                <a:pos x="connsiteX2" y="connsiteY2"/>
+              </a:cxn>
+              <a:cxn ang="0">
+                <a:pos x="connsiteX3" y="connsiteY3"/>
+              </a:cxn>
+              <a:cxn ang="0">
+                <a:pos x="connsiteX4" y="connsiteY4"/>
+              </a:cxn>
+              <a:cxn ang="0">
+                <a:pos x="connsiteX5" y="connsiteY5"/>
+              </a:cxn>
+              <a:cxn ang="0">
+                <a:pos x="connsiteX6" y="connsiteY6"/>
+              </a:cxn>
+              <a:cxn ang="0">
+                <a:pos x="connsiteX7" y="connsiteY7"/>
+              </a:cxn>
+            </a:cxnLst>
+            <a:rect l="l" t="t" r="r" b="b"/>
+            <a:pathLst>
+              <a:path w="2643352" h="1895331">
+                <a:moveTo>
+                  <a:pt x="1321676" y="0"/>
+                </a:moveTo>
+                <a:cubicBezTo>
+                  <a:pt x="2051617" y="0"/>
+                  <a:pt x="2643352" y="591735"/>
+                  <a:pt x="2643352" y="1321676"/>
+                </a:cubicBezTo>
+                <a:cubicBezTo>
+                  <a:pt x="2643352" y="1504161"/>
+                  <a:pt x="2606369" y="1678009"/>
+                  <a:pt x="2539488" y="1836132"/>
+                </a:cubicBezTo>
+                <a:lnTo>
+                  <a:pt x="2510970" y="1895331"/>
+                </a:lnTo>
+                <a:lnTo>
+                  <a:pt x="132382" y="1895331"/>
+                </a:lnTo>
+                <a:lnTo>
+                  <a:pt x="103864" y="1836132"/>
+                </a:lnTo>
+                <a:cubicBezTo>
+                  <a:pt x="36984" y="1678009"/>
+                  <a:pt x="0" y="1504161"/>
+                  <a:pt x="0" y="1321676"/>
+                </a:cubicBezTo>
+                <a:cubicBezTo>
+                  <a:pt x="0" y="591735"/>
+                  <a:pt x="591735" y="0"/>
+                  <a:pt x="1321676" y="0"/>
+                </a:cubicBezTo>
+                <a:close/>
+              </a:path>
+            </a:pathLst>
+          </a:custGeom>
+          <a:solidFill>
+            <a:schemeClr val="accent2"/>
+          </a:solidFill>
+          <a:ln>
+            <a:noFill/>
+          </a:ln>
+        </p:spPr>
+        <p:style>
+          <a:lnRef idx="2">
+            <a:schemeClr val="accent1">
+              <a:shade val="50000"/>
+            </a:schemeClr>
+          </a:lnRef>
+          <a:fillRef idx="1">
+            <a:schemeClr val="accent1"/>
+          </a:fillRef>
+          <a:effectRef idx="0">
+            <a:schemeClr val="accent1"/>
+          </a:effectRef>
+          <a:fontRef idx="minor">
+            <a:schemeClr val="lt1"/>
+          </a:fontRef>
+        </p:style>
+        <p:txBody>
+          <a:bodyPr rtlCol="0" anchor="ctr"/>
+          <a:lstStyle/>
+          <a:p>
+            <a:pPr algn="ctr"/>
+            <a:endParaRPr lang="en-US"/>
+          </a:p>
+        </p:txBody>
+      </p:sp>
+    </p:spTree>
+    <p:extLst>
+      <p:ext uri="{BB962C8B-B14F-4D97-AF65-F5344CB8AC3E}">
+        <p14:creationId xmlns:p14="http://schemas.microsoft.com/office/powerpoint/2010/main" val="4075425010"/>
       </p:ext>
     </p:extLst>
   </p:cSld>
